--- a/Open_topology/draft_approach.pptx
+++ b/Open_topology/draft_approach.pptx
@@ -5,10 +5,15 @@
     <p:sldMasterId id="2147483648" r:id="rId1"/>
   </p:sldMasterIdLst>
   <p:sldIdLst>
-    <p:sldId id="257" r:id="rId2"/>
-    <p:sldId id="256" r:id="rId3"/>
-    <p:sldId id="258" r:id="rId4"/>
-    <p:sldId id="259" r:id="rId5"/>
+    <p:sldId id="260" r:id="rId2"/>
+    <p:sldId id="257" r:id="rId3"/>
+    <p:sldId id="256" r:id="rId4"/>
+    <p:sldId id="258" r:id="rId5"/>
+    <p:sldId id="259" r:id="rId6"/>
+    <p:sldId id="261" r:id="rId7"/>
+    <p:sldId id="263" r:id="rId8"/>
+    <p:sldId id="262" r:id="rId9"/>
+    <p:sldId id="264" r:id="rId10"/>
   </p:sldIdLst>
   <p:sldSz cx="12192000" cy="6858000"/>
   <p:notesSz cx="6858000" cy="9144000"/>
@@ -246,7 +251,7 @@
           <a:p>
             <a:fld id="{1D884085-DA7D-49BF-B6FD-D192BD6D4560}" type="datetimeFigureOut">
               <a:rPr lang="en-US" smtClean="0"/>
-              <a:t>1/28/2021</a:t>
+              <a:t>1/31/2021</a:t>
             </a:fld>
             <a:endParaRPr lang="en-US"/>
           </a:p>
@@ -416,7 +421,7 @@
           <a:p>
             <a:fld id="{1D884085-DA7D-49BF-B6FD-D192BD6D4560}" type="datetimeFigureOut">
               <a:rPr lang="en-US" smtClean="0"/>
-              <a:t>1/28/2021</a:t>
+              <a:t>1/31/2021</a:t>
             </a:fld>
             <a:endParaRPr lang="en-US"/>
           </a:p>
@@ -596,7 +601,7 @@
           <a:p>
             <a:fld id="{1D884085-DA7D-49BF-B6FD-D192BD6D4560}" type="datetimeFigureOut">
               <a:rPr lang="en-US" smtClean="0"/>
-              <a:t>1/28/2021</a:t>
+              <a:t>1/31/2021</a:t>
             </a:fld>
             <a:endParaRPr lang="en-US"/>
           </a:p>
@@ -766,7 +771,7 @@
           <a:p>
             <a:fld id="{1D884085-DA7D-49BF-B6FD-D192BD6D4560}" type="datetimeFigureOut">
               <a:rPr lang="en-US" smtClean="0"/>
-              <a:t>1/28/2021</a:t>
+              <a:t>1/31/2021</a:t>
             </a:fld>
             <a:endParaRPr lang="en-US"/>
           </a:p>
@@ -1012,7 +1017,7 @@
           <a:p>
             <a:fld id="{1D884085-DA7D-49BF-B6FD-D192BD6D4560}" type="datetimeFigureOut">
               <a:rPr lang="en-US" smtClean="0"/>
-              <a:t>1/28/2021</a:t>
+              <a:t>1/31/2021</a:t>
             </a:fld>
             <a:endParaRPr lang="en-US"/>
           </a:p>
@@ -1244,7 +1249,7 @@
           <a:p>
             <a:fld id="{1D884085-DA7D-49BF-B6FD-D192BD6D4560}" type="datetimeFigureOut">
               <a:rPr lang="en-US" smtClean="0"/>
-              <a:t>1/28/2021</a:t>
+              <a:t>1/31/2021</a:t>
             </a:fld>
             <a:endParaRPr lang="en-US"/>
           </a:p>
@@ -1611,7 +1616,7 @@
           <a:p>
             <a:fld id="{1D884085-DA7D-49BF-B6FD-D192BD6D4560}" type="datetimeFigureOut">
               <a:rPr lang="en-US" smtClean="0"/>
-              <a:t>1/28/2021</a:t>
+              <a:t>1/31/2021</a:t>
             </a:fld>
             <a:endParaRPr lang="en-US"/>
           </a:p>
@@ -1729,7 +1734,7 @@
           <a:p>
             <a:fld id="{1D884085-DA7D-49BF-B6FD-D192BD6D4560}" type="datetimeFigureOut">
               <a:rPr lang="en-US" smtClean="0"/>
-              <a:t>1/28/2021</a:t>
+              <a:t>1/31/2021</a:t>
             </a:fld>
             <a:endParaRPr lang="en-US"/>
           </a:p>
@@ -1824,7 +1829,7 @@
           <a:p>
             <a:fld id="{1D884085-DA7D-49BF-B6FD-D192BD6D4560}" type="datetimeFigureOut">
               <a:rPr lang="en-US" smtClean="0"/>
-              <a:t>1/28/2021</a:t>
+              <a:t>1/31/2021</a:t>
             </a:fld>
             <a:endParaRPr lang="en-US"/>
           </a:p>
@@ -2101,7 +2106,7 @@
           <a:p>
             <a:fld id="{1D884085-DA7D-49BF-B6FD-D192BD6D4560}" type="datetimeFigureOut">
               <a:rPr lang="en-US" smtClean="0"/>
-              <a:t>1/28/2021</a:t>
+              <a:t>1/31/2021</a:t>
             </a:fld>
             <a:endParaRPr lang="en-US"/>
           </a:p>
@@ -2354,7 +2359,7 @@
           <a:p>
             <a:fld id="{1D884085-DA7D-49BF-B6FD-D192BD6D4560}" type="datetimeFigureOut">
               <a:rPr lang="en-US" smtClean="0"/>
-              <a:t>1/28/2021</a:t>
+              <a:t>1/31/2021</a:t>
             </a:fld>
             <a:endParaRPr lang="en-US"/>
           </a:p>
@@ -2567,7 +2572,7 @@
           <a:p>
             <a:fld id="{1D884085-DA7D-49BF-B6FD-D192BD6D4560}" type="datetimeFigureOut">
               <a:rPr lang="en-US" smtClean="0"/>
-              <a:t>1/28/2021</a:t>
+              <a:t>1/31/2021</a:t>
             </a:fld>
             <a:endParaRPr lang="en-US"/>
           </a:p>
@@ -2980,8 +2985,8 @@
         </p:nvSpPr>
         <p:spPr>
           <a:xfrm>
-            <a:off x="478972" y="400595"/>
-            <a:ext cx="1827552" cy="584775"/>
+            <a:off x="5111930" y="2891246"/>
+            <a:ext cx="1433919" cy="707886"/>
           </a:xfrm>
           <a:prstGeom prst="rect">
             <a:avLst/>
@@ -2995,6 +3000,66 @@
           <a:lstStyle/>
           <a:p>
             <a:r>
+              <a:rPr lang="en-US" sz="4000" b="1" dirty="0" smtClean="0"/>
+              <a:t>WECC</a:t>
+            </a:r>
+            <a:endParaRPr lang="en-US" sz="4000" b="1" dirty="0"/>
+          </a:p>
+        </p:txBody>
+      </p:sp>
+    </p:spTree>
+    <p:extLst>
+      <p:ext uri="{BB962C8B-B14F-4D97-AF65-F5344CB8AC3E}">
+        <p14:creationId xmlns:p14="http://schemas.microsoft.com/office/powerpoint/2010/main" val="2760880785"/>
+      </p:ext>
+    </p:extLst>
+  </p:cSld>
+  <p:clrMapOvr>
+    <a:masterClrMapping/>
+  </p:clrMapOvr>
+</p:sld>
+</file>
+
+<file path=ppt/slides/slide2.xml><?xml version="1.0" encoding="utf-8"?>
+<p:sld xmlns:a="http://schemas.openxmlformats.org/drawingml/2006/main" xmlns:r="http://schemas.openxmlformats.org/officeDocument/2006/relationships" xmlns:p="http://schemas.openxmlformats.org/presentationml/2006/main">
+  <p:cSld>
+    <p:spTree>
+      <p:nvGrpSpPr>
+        <p:cNvPr id="1" name=""/>
+        <p:cNvGrpSpPr/>
+        <p:nvPr/>
+      </p:nvGrpSpPr>
+      <p:grpSpPr>
+        <a:xfrm>
+          <a:off x="0" y="0"/>
+          <a:ext cx="0" cy="0"/>
+          <a:chOff x="0" y="0"/>
+          <a:chExt cx="0" cy="0"/>
+        </a:xfrm>
+      </p:grpSpPr>
+      <p:sp>
+        <p:nvSpPr>
+          <p:cNvPr id="2" name="TextBox 1"/>
+          <p:cNvSpPr txBox="1"/>
+          <p:nvPr/>
+        </p:nvSpPr>
+        <p:spPr>
+          <a:xfrm>
+            <a:off x="478972" y="400595"/>
+            <a:ext cx="1827552" cy="584775"/>
+          </a:xfrm>
+          <a:prstGeom prst="rect">
+            <a:avLst/>
+          </a:prstGeom>
+          <a:noFill/>
+        </p:spPr>
+        <p:txBody>
+          <a:bodyPr wrap="none" rtlCol="0">
+            <a:spAutoFit/>
+          </a:bodyPr>
+          <a:lstStyle/>
+          <a:p>
+            <a:r>
               <a:rPr lang="en-US" sz="3200" b="1" dirty="0" smtClean="0"/>
               <a:t>Approach</a:t>
             </a:r>
@@ -3047,15 +3112,7 @@
             </a:pPr>
             <a:r>
               <a:rPr lang="en-US" sz="1600" dirty="0" smtClean="0"/>
-              <a:t>All unique combination of balancing authority/control area and state combinations assigned weight (by load); unrelated to topology assignment, but perhaps useful </a:t>
-            </a:r>
-            <a:r>
-              <a:rPr lang="en-US" sz="1600" dirty="0" smtClean="0"/>
-              <a:t>later in </a:t>
-            </a:r>
-            <a:r>
-              <a:rPr lang="en-US" sz="1600" dirty="0" smtClean="0"/>
-              <a:t>bridging TELL/EIA data with GCAM</a:t>
+              <a:t>All unique combination of balancing authority/control area and state combinations assigned weight (by load); unrelated to topology assignment, but perhaps useful later in bridging TELL/EIA data with GCAM</a:t>
             </a:r>
           </a:p>
           <a:p>
@@ -3064,19 +3121,7 @@
             </a:pPr>
             <a:r>
               <a:rPr lang="en-US" sz="1600" dirty="0" smtClean="0"/>
-              <a:t>Generator nodes are </a:t>
-            </a:r>
-            <a:r>
-              <a:rPr lang="en-US" sz="1600" dirty="0" smtClean="0"/>
-              <a:t>“c</a:t>
-            </a:r>
-            <a:r>
-              <a:rPr lang="en-US" sz="1600" dirty="0" smtClean="0"/>
-              <a:t>ombined” </a:t>
-            </a:r>
-            <a:r>
-              <a:rPr lang="en-US" sz="1600" dirty="0" smtClean="0"/>
-              <a:t>for each power plant (matched by alphabetical name, balancing authority); node of largest MW unit is chosen to represent all other generators in the same plant</a:t>
+              <a:t>Generator nodes are “combined” for each power plant (matched by alphabetical name, balancing authority); node of largest MW unit is chosen to represent all other generators in the same plant</a:t>
             </a:r>
           </a:p>
           <a:p>
@@ -3110,11 +3155,7 @@
             </a:r>
             <a:r>
               <a:rPr lang="en-US" dirty="0" smtClean="0"/>
-              <a:t> - # of generation nodes, demand nodes, and transmission </a:t>
-            </a:r>
-            <a:r>
-              <a:rPr lang="en-US" dirty="0" smtClean="0"/>
-              <a:t>nodes pre-specified by user</a:t>
+              <a:t> - # of generation nodes, demand nodes, and transmission nodes pre-specified by user</a:t>
             </a:r>
             <a:endParaRPr lang="en-US" u="sng" dirty="0"/>
           </a:p>
@@ -3127,11 +3168,7 @@
             </a:pPr>
             <a:r>
               <a:rPr lang="en-US" sz="1600" dirty="0" smtClean="0"/>
-              <a:t>For each unique BA/state combination, the node with the maximum load is </a:t>
-            </a:r>
-            <a:r>
-              <a:rPr lang="en-US" sz="1600" dirty="0" smtClean="0"/>
-              <a:t>chosen and placed (63)</a:t>
+              <a:t>For each unique BA/state combination, the node with the maximum load is chosen and placed (63)</a:t>
             </a:r>
           </a:p>
           <a:p>
@@ -3201,7 +3238,7 @@
 </p:sld>
 </file>
 
-<file path=ppt/slides/slide2.xml><?xml version="1.0" encoding="utf-8"?>
+<file path=ppt/slides/slide3.xml><?xml version="1.0" encoding="utf-8"?>
 <p:sld xmlns:a="http://schemas.openxmlformats.org/drawingml/2006/main" xmlns:r="http://schemas.openxmlformats.org/officeDocument/2006/relationships" xmlns:p="http://schemas.openxmlformats.org/presentationml/2006/main">
   <p:cSld>
     <p:spTree>
@@ -3576,7 +3613,7 @@
 </p:sld>
 </file>
 
-<file path=ppt/slides/slide3.xml><?xml version="1.0" encoding="utf-8"?>
+<file path=ppt/slides/slide4.xml><?xml version="1.0" encoding="utf-8"?>
 <p:sld xmlns:a="http://schemas.openxmlformats.org/drawingml/2006/main" xmlns:r="http://schemas.openxmlformats.org/officeDocument/2006/relationships" xmlns:p="http://schemas.openxmlformats.org/presentationml/2006/main">
   <p:cSld>
     <p:spTree>
@@ -3995,7 +4032,7 @@
 </p:sld>
 </file>
 
-<file path=ppt/slides/slide4.xml><?xml version="1.0" encoding="utf-8"?>
+<file path=ppt/slides/slide5.xml><?xml version="1.0" encoding="utf-8"?>
 <p:sld xmlns:a="http://schemas.openxmlformats.org/drawingml/2006/main" xmlns:r="http://schemas.openxmlformats.org/officeDocument/2006/relationships" xmlns:p="http://schemas.openxmlformats.org/presentationml/2006/main">
   <p:cSld>
     <p:spTree>
@@ -4363,10 +4400,918 @@
           </a:p>
         </p:txBody>
       </p:sp>
+      <p:sp>
+        <p:nvSpPr>
+          <p:cNvPr id="15" name="TextBox 14"/>
+          <p:cNvSpPr txBox="1"/>
+          <p:nvPr/>
+        </p:nvSpPr>
+        <p:spPr>
+          <a:xfrm>
+            <a:off x="7981634" y="6032901"/>
+            <a:ext cx="1930657" cy="369332"/>
+          </a:xfrm>
+          <a:prstGeom prst="rect">
+            <a:avLst/>
+          </a:prstGeom>
+          <a:noFill/>
+        </p:spPr>
+        <p:txBody>
+          <a:bodyPr wrap="none" rtlCol="0">
+            <a:spAutoFit/>
+          </a:bodyPr>
+          <a:lstStyle/>
+          <a:p>
+            <a:r>
+              <a:rPr lang="en-US" dirty="0" smtClean="0"/>
+              <a:t>LA, Vegas, Phoenix</a:t>
+            </a:r>
+            <a:endParaRPr lang="en-US" dirty="0"/>
+          </a:p>
+        </p:txBody>
+      </p:sp>
     </p:spTree>
     <p:extLst>
       <p:ext uri="{BB962C8B-B14F-4D97-AF65-F5344CB8AC3E}">
         <p14:creationId xmlns:p14="http://schemas.microsoft.com/office/powerpoint/2010/main" val="2052271896"/>
+      </p:ext>
+    </p:extLst>
+  </p:cSld>
+  <p:clrMapOvr>
+    <a:masterClrMapping/>
+  </p:clrMapOvr>
+</p:sld>
+</file>
+
+<file path=ppt/slides/slide6.xml><?xml version="1.0" encoding="utf-8"?>
+<p:sld xmlns:a="http://schemas.openxmlformats.org/drawingml/2006/main" xmlns:r="http://schemas.openxmlformats.org/officeDocument/2006/relationships" xmlns:p="http://schemas.openxmlformats.org/presentationml/2006/main">
+  <p:cSld>
+    <p:spTree>
+      <p:nvGrpSpPr>
+        <p:cNvPr id="1" name=""/>
+        <p:cNvGrpSpPr/>
+        <p:nvPr/>
+      </p:nvGrpSpPr>
+      <p:grpSpPr>
+        <a:xfrm>
+          <a:off x="0" y="0"/>
+          <a:ext cx="0" cy="0"/>
+          <a:chOff x="0" y="0"/>
+          <a:chExt cx="0" cy="0"/>
+        </a:xfrm>
+      </p:grpSpPr>
+      <p:sp>
+        <p:nvSpPr>
+          <p:cNvPr id="2" name="TextBox 1"/>
+          <p:cNvSpPr txBox="1"/>
+          <p:nvPr/>
+        </p:nvSpPr>
+        <p:spPr>
+          <a:xfrm>
+            <a:off x="5050970" y="2804161"/>
+            <a:ext cx="1574855" cy="707886"/>
+          </a:xfrm>
+          <a:prstGeom prst="rect">
+            <a:avLst/>
+          </a:prstGeom>
+          <a:noFill/>
+        </p:spPr>
+        <p:txBody>
+          <a:bodyPr wrap="none" rtlCol="0">
+            <a:spAutoFit/>
+          </a:bodyPr>
+          <a:lstStyle/>
+          <a:p>
+            <a:r>
+              <a:rPr lang="en-US" sz="4000" b="1" dirty="0" smtClean="0"/>
+              <a:t>ERCOT</a:t>
+            </a:r>
+            <a:endParaRPr lang="en-US" sz="4000" b="1" dirty="0"/>
+          </a:p>
+        </p:txBody>
+      </p:sp>
+    </p:spTree>
+    <p:extLst>
+      <p:ext uri="{BB962C8B-B14F-4D97-AF65-F5344CB8AC3E}">
+        <p14:creationId xmlns:p14="http://schemas.microsoft.com/office/powerpoint/2010/main" val="4209569806"/>
+      </p:ext>
+    </p:extLst>
+  </p:cSld>
+  <p:clrMapOvr>
+    <a:masterClrMapping/>
+  </p:clrMapOvr>
+</p:sld>
+</file>
+
+<file path=ppt/slides/slide7.xml><?xml version="1.0" encoding="utf-8"?>
+<p:sld xmlns:a="http://schemas.openxmlformats.org/drawingml/2006/main" xmlns:r="http://schemas.openxmlformats.org/officeDocument/2006/relationships" xmlns:p="http://schemas.openxmlformats.org/presentationml/2006/main">
+  <p:cSld>
+    <p:spTree>
+      <p:nvGrpSpPr>
+        <p:cNvPr id="1" name=""/>
+        <p:cNvGrpSpPr/>
+        <p:nvPr/>
+      </p:nvGrpSpPr>
+      <p:grpSpPr>
+        <a:xfrm>
+          <a:off x="0" y="0"/>
+          <a:ext cx="0" cy="0"/>
+          <a:chOff x="0" y="0"/>
+          <a:chExt cx="0" cy="0"/>
+        </a:xfrm>
+      </p:grpSpPr>
+      <p:pic>
+        <p:nvPicPr>
+          <p:cNvPr id="10" name="Picture 9"/>
+          <p:cNvPicPr>
+            <a:picLocks noChangeAspect="1"/>
+          </p:cNvPicPr>
+          <p:nvPr/>
+        </p:nvPicPr>
+        <p:blipFill rotWithShape="1">
+          <a:blip r:embed="rId2" cstate="print">
+            <a:extLst>
+              <a:ext uri="{28A0092B-C50C-407E-A947-70E740481C1C}">
+                <a14:useLocalDpi xmlns:a14="http://schemas.microsoft.com/office/drawing/2010/main" val="0"/>
+              </a:ext>
+            </a:extLst>
+          </a:blip>
+          <a:srcRect l="25713" t="11250" r="21747" b="10417"/>
+          <a:stretch/>
+        </p:blipFill>
+        <p:spPr>
+          <a:xfrm>
+            <a:off x="7884628" y="287028"/>
+            <a:ext cx="3005200" cy="2987041"/>
+          </a:xfrm>
+          <a:prstGeom prst="rect">
+            <a:avLst/>
+          </a:prstGeom>
+          <a:ln>
+            <a:solidFill>
+              <a:srgbClr val="FF0000"/>
+            </a:solidFill>
+          </a:ln>
+        </p:spPr>
+      </p:pic>
+      <p:pic>
+        <p:nvPicPr>
+          <p:cNvPr id="2" name="Picture 1"/>
+          <p:cNvPicPr>
+            <a:picLocks noChangeAspect="1"/>
+          </p:cNvPicPr>
+          <p:nvPr/>
+        </p:nvPicPr>
+        <p:blipFill rotWithShape="1">
+          <a:blip r:embed="rId3" cstate="print">
+            <a:extLst>
+              <a:ext uri="{28A0092B-C50C-407E-A947-70E740481C1C}">
+                <a14:useLocalDpi xmlns:a14="http://schemas.microsoft.com/office/drawing/2010/main" val="0"/>
+              </a:ext>
+            </a:extLst>
+          </a:blip>
+          <a:srcRect l="24127" t="9822" r="21269" b="14702"/>
+          <a:stretch/>
+        </p:blipFill>
+        <p:spPr>
+          <a:xfrm>
+            <a:off x="512734" y="1114698"/>
+            <a:ext cx="5809689" cy="5353697"/>
+          </a:xfrm>
+          <a:prstGeom prst="rect">
+            <a:avLst/>
+          </a:prstGeom>
+        </p:spPr>
+      </p:pic>
+      <p:sp>
+        <p:nvSpPr>
+          <p:cNvPr id="3" name="Rectangle 2"/>
+          <p:cNvSpPr/>
+          <p:nvPr/>
+        </p:nvSpPr>
+        <p:spPr>
+          <a:xfrm>
+            <a:off x="4619851" y="4092552"/>
+            <a:ext cx="979761" cy="900775"/>
+          </a:xfrm>
+          <a:prstGeom prst="rect">
+            <a:avLst/>
+          </a:prstGeom>
+          <a:noFill/>
+          <a:ln>
+            <a:solidFill>
+              <a:srgbClr val="FF0000"/>
+            </a:solidFill>
+          </a:ln>
+        </p:spPr>
+        <p:style>
+          <a:lnRef idx="2">
+            <a:schemeClr val="accent1">
+              <a:shade val="50000"/>
+            </a:schemeClr>
+          </a:lnRef>
+          <a:fillRef idx="1">
+            <a:schemeClr val="accent1"/>
+          </a:fillRef>
+          <a:effectRef idx="0">
+            <a:schemeClr val="accent1"/>
+          </a:effectRef>
+          <a:fontRef idx="minor">
+            <a:schemeClr val="lt1"/>
+          </a:fontRef>
+        </p:style>
+        <p:txBody>
+          <a:bodyPr rtlCol="0" anchor="ctr"/>
+          <a:lstStyle/>
+          <a:p>
+            <a:pPr algn="ctr"/>
+            <a:endParaRPr lang="en-US"/>
+          </a:p>
+        </p:txBody>
+      </p:sp>
+      <p:sp>
+        <p:nvSpPr>
+          <p:cNvPr id="4" name="Rectangle 3"/>
+          <p:cNvSpPr/>
+          <p:nvPr/>
+        </p:nvSpPr>
+        <p:spPr>
+          <a:xfrm>
+            <a:off x="3839750" y="2598471"/>
+            <a:ext cx="1019633" cy="980751"/>
+          </a:xfrm>
+          <a:prstGeom prst="rect">
+            <a:avLst/>
+          </a:prstGeom>
+          <a:noFill/>
+          <a:ln>
+            <a:solidFill>
+              <a:srgbClr val="FF0000"/>
+            </a:solidFill>
+          </a:ln>
+        </p:spPr>
+        <p:style>
+          <a:lnRef idx="2">
+            <a:schemeClr val="accent1">
+              <a:shade val="50000"/>
+            </a:schemeClr>
+          </a:lnRef>
+          <a:fillRef idx="1">
+            <a:schemeClr val="accent1"/>
+          </a:fillRef>
+          <a:effectRef idx="0">
+            <a:schemeClr val="accent1"/>
+          </a:effectRef>
+          <a:fontRef idx="minor">
+            <a:schemeClr val="lt1"/>
+          </a:fontRef>
+        </p:style>
+        <p:txBody>
+          <a:bodyPr rtlCol="0" anchor="ctr"/>
+          <a:lstStyle/>
+          <a:p>
+            <a:pPr algn="ctr"/>
+            <a:endParaRPr lang="en-US"/>
+          </a:p>
+        </p:txBody>
+      </p:sp>
+      <p:sp>
+        <p:nvSpPr>
+          <p:cNvPr id="5" name="TextBox 4"/>
+          <p:cNvSpPr txBox="1"/>
+          <p:nvPr/>
+        </p:nvSpPr>
+        <p:spPr>
+          <a:xfrm>
+            <a:off x="4611142" y="2233414"/>
+            <a:ext cx="340158" cy="400110"/>
+          </a:xfrm>
+          <a:prstGeom prst="rect">
+            <a:avLst/>
+          </a:prstGeom>
+          <a:noFill/>
+        </p:spPr>
+        <p:txBody>
+          <a:bodyPr wrap="none" rtlCol="0">
+            <a:spAutoFit/>
+          </a:bodyPr>
+          <a:lstStyle/>
+          <a:p>
+            <a:r>
+              <a:rPr lang="en-US" sz="2000" b="1" dirty="0" smtClean="0"/>
+              <a:t>A</a:t>
+            </a:r>
+            <a:endParaRPr lang="en-US" sz="2000" b="1" dirty="0"/>
+          </a:p>
+        </p:txBody>
+      </p:sp>
+      <p:sp>
+        <p:nvSpPr>
+          <p:cNvPr id="6" name="TextBox 5"/>
+          <p:cNvSpPr txBox="1"/>
+          <p:nvPr/>
+        </p:nvSpPr>
+        <p:spPr>
+          <a:xfrm>
+            <a:off x="5363956" y="4975909"/>
+            <a:ext cx="340158" cy="400110"/>
+          </a:xfrm>
+          <a:prstGeom prst="rect">
+            <a:avLst/>
+          </a:prstGeom>
+          <a:noFill/>
+        </p:spPr>
+        <p:txBody>
+          <a:bodyPr wrap="none" rtlCol="0">
+            <a:spAutoFit/>
+          </a:bodyPr>
+          <a:lstStyle/>
+          <a:p>
+            <a:r>
+              <a:rPr lang="en-US" sz="2000" b="1" dirty="0" smtClean="0"/>
+              <a:t>B</a:t>
+            </a:r>
+            <a:endParaRPr lang="en-US" sz="2000" b="1" dirty="0"/>
+          </a:p>
+        </p:txBody>
+      </p:sp>
+      <p:sp>
+        <p:nvSpPr>
+          <p:cNvPr id="7" name="TextBox 6"/>
+          <p:cNvSpPr txBox="1"/>
+          <p:nvPr/>
+        </p:nvSpPr>
+        <p:spPr>
+          <a:xfrm>
+            <a:off x="7896707" y="287028"/>
+            <a:ext cx="402674" cy="523220"/>
+          </a:xfrm>
+          <a:prstGeom prst="rect">
+            <a:avLst/>
+          </a:prstGeom>
+          <a:noFill/>
+        </p:spPr>
+        <p:txBody>
+          <a:bodyPr wrap="none" rtlCol="0">
+            <a:spAutoFit/>
+          </a:bodyPr>
+          <a:lstStyle/>
+          <a:p>
+            <a:r>
+              <a:rPr lang="en-US" sz="2800" b="1" dirty="0" smtClean="0"/>
+              <a:t>A</a:t>
+            </a:r>
+            <a:endParaRPr lang="en-US" sz="2800" b="1" dirty="0"/>
+          </a:p>
+        </p:txBody>
+      </p:sp>
+      <p:sp>
+        <p:nvSpPr>
+          <p:cNvPr id="9" name="TextBox 8"/>
+          <p:cNvSpPr txBox="1"/>
+          <p:nvPr/>
+        </p:nvSpPr>
+        <p:spPr>
+          <a:xfrm>
+            <a:off x="261257" y="261257"/>
+            <a:ext cx="5581464" cy="523220"/>
+          </a:xfrm>
+          <a:prstGeom prst="rect">
+            <a:avLst/>
+          </a:prstGeom>
+          <a:noFill/>
+        </p:spPr>
+        <p:txBody>
+          <a:bodyPr wrap="none" rtlCol="0">
+            <a:spAutoFit/>
+          </a:bodyPr>
+          <a:lstStyle/>
+          <a:p>
+            <a:r>
+              <a:rPr lang="en-US" sz="2800" b="1" dirty="0"/>
+              <a:t>2</a:t>
+            </a:r>
+            <a:r>
+              <a:rPr lang="en-US" sz="2800" b="1" dirty="0" smtClean="0"/>
+              <a:t>00 buses: </a:t>
+            </a:r>
+            <a:r>
+              <a:rPr lang="en-US" sz="2800" b="1" dirty="0" smtClean="0">
+                <a:solidFill>
+                  <a:srgbClr val="FF0000"/>
+                </a:solidFill>
+              </a:rPr>
+              <a:t>75 gen; 75 load; 50 trans </a:t>
+            </a:r>
+            <a:endParaRPr lang="en-US" sz="2800" b="1" dirty="0">
+              <a:solidFill>
+                <a:srgbClr val="FF0000"/>
+              </a:solidFill>
+            </a:endParaRPr>
+          </a:p>
+        </p:txBody>
+      </p:sp>
+      <p:pic>
+        <p:nvPicPr>
+          <p:cNvPr id="11" name="Picture 10"/>
+          <p:cNvPicPr>
+            <a:picLocks noChangeAspect="1"/>
+          </p:cNvPicPr>
+          <p:nvPr/>
+        </p:nvPicPr>
+        <p:blipFill rotWithShape="1">
+          <a:blip r:embed="rId4"/>
+          <a:srcRect l="25428" t="10896" r="22650" b="11022"/>
+          <a:stretch/>
+        </p:blipFill>
+        <p:spPr>
+          <a:xfrm>
+            <a:off x="7884628" y="3579222"/>
+            <a:ext cx="3005200" cy="3012867"/>
+          </a:xfrm>
+          <a:prstGeom prst="rect">
+            <a:avLst/>
+          </a:prstGeom>
+          <a:ln>
+            <a:solidFill>
+              <a:srgbClr val="FF0000"/>
+            </a:solidFill>
+          </a:ln>
+        </p:spPr>
+      </p:pic>
+      <p:sp>
+        <p:nvSpPr>
+          <p:cNvPr id="8" name="TextBox 7"/>
+          <p:cNvSpPr txBox="1"/>
+          <p:nvPr/>
+        </p:nvSpPr>
+        <p:spPr>
+          <a:xfrm>
+            <a:off x="10417089" y="6068869"/>
+            <a:ext cx="386644" cy="523220"/>
+          </a:xfrm>
+          <a:prstGeom prst="rect">
+            <a:avLst/>
+          </a:prstGeom>
+          <a:noFill/>
+        </p:spPr>
+        <p:txBody>
+          <a:bodyPr wrap="none" rtlCol="0">
+            <a:spAutoFit/>
+          </a:bodyPr>
+          <a:lstStyle/>
+          <a:p>
+            <a:r>
+              <a:rPr lang="en-US" sz="2800" b="1" dirty="0" smtClean="0"/>
+              <a:t>B</a:t>
+            </a:r>
+            <a:endParaRPr lang="en-US" sz="2800" b="1" dirty="0"/>
+          </a:p>
+        </p:txBody>
+      </p:sp>
+      <p:sp>
+        <p:nvSpPr>
+          <p:cNvPr id="12" name="TextBox 11"/>
+          <p:cNvSpPr txBox="1"/>
+          <p:nvPr/>
+        </p:nvSpPr>
+        <p:spPr>
+          <a:xfrm>
+            <a:off x="9710689" y="3606880"/>
+            <a:ext cx="978153" cy="369332"/>
+          </a:xfrm>
+          <a:prstGeom prst="rect">
+            <a:avLst/>
+          </a:prstGeom>
+          <a:noFill/>
+        </p:spPr>
+        <p:txBody>
+          <a:bodyPr wrap="none" rtlCol="0">
+            <a:spAutoFit/>
+          </a:bodyPr>
+          <a:lstStyle/>
+          <a:p>
+            <a:r>
+              <a:rPr lang="en-US" dirty="0" smtClean="0"/>
+              <a:t>Houston</a:t>
+            </a:r>
+            <a:endParaRPr lang="en-US" dirty="0"/>
+          </a:p>
+        </p:txBody>
+      </p:sp>
+      <p:sp>
+        <p:nvSpPr>
+          <p:cNvPr id="13" name="TextBox 12"/>
+          <p:cNvSpPr txBox="1"/>
+          <p:nvPr/>
+        </p:nvSpPr>
+        <p:spPr>
+          <a:xfrm>
+            <a:off x="10145714" y="2701256"/>
+            <a:ext cx="744114" cy="369332"/>
+          </a:xfrm>
+          <a:prstGeom prst="rect">
+            <a:avLst/>
+          </a:prstGeom>
+          <a:noFill/>
+        </p:spPr>
+        <p:txBody>
+          <a:bodyPr wrap="none" rtlCol="0">
+            <a:spAutoFit/>
+          </a:bodyPr>
+          <a:lstStyle/>
+          <a:p>
+            <a:r>
+              <a:rPr lang="en-US" dirty="0" smtClean="0"/>
+              <a:t>Dallas</a:t>
+            </a:r>
+            <a:endParaRPr lang="en-US" dirty="0"/>
+          </a:p>
+        </p:txBody>
+      </p:sp>
+    </p:spTree>
+    <p:extLst>
+      <p:ext uri="{BB962C8B-B14F-4D97-AF65-F5344CB8AC3E}">
+        <p14:creationId xmlns:p14="http://schemas.microsoft.com/office/powerpoint/2010/main" val="2966527020"/>
+      </p:ext>
+    </p:extLst>
+  </p:cSld>
+  <p:clrMapOvr>
+    <a:masterClrMapping/>
+  </p:clrMapOvr>
+</p:sld>
+</file>
+
+<file path=ppt/slides/slide8.xml><?xml version="1.0" encoding="utf-8"?>
+<p:sld xmlns:a="http://schemas.openxmlformats.org/drawingml/2006/main" xmlns:r="http://schemas.openxmlformats.org/officeDocument/2006/relationships" xmlns:p="http://schemas.openxmlformats.org/presentationml/2006/main">
+  <p:cSld>
+    <p:spTree>
+      <p:nvGrpSpPr>
+        <p:cNvPr id="1" name=""/>
+        <p:cNvGrpSpPr/>
+        <p:nvPr/>
+      </p:nvGrpSpPr>
+      <p:grpSpPr>
+        <a:xfrm>
+          <a:off x="0" y="0"/>
+          <a:ext cx="0" cy="0"/>
+          <a:chOff x="0" y="0"/>
+          <a:chExt cx="0" cy="0"/>
+        </a:xfrm>
+      </p:grpSpPr>
+      <p:sp>
+        <p:nvSpPr>
+          <p:cNvPr id="2" name="TextBox 1"/>
+          <p:cNvSpPr txBox="1"/>
+          <p:nvPr/>
+        </p:nvSpPr>
+        <p:spPr>
+          <a:xfrm>
+            <a:off x="5477690" y="2682241"/>
+            <a:ext cx="841897" cy="707886"/>
+          </a:xfrm>
+          <a:prstGeom prst="rect">
+            <a:avLst/>
+          </a:prstGeom>
+          <a:noFill/>
+        </p:spPr>
+        <p:txBody>
+          <a:bodyPr wrap="none" rtlCol="0">
+            <a:spAutoFit/>
+          </a:bodyPr>
+          <a:lstStyle/>
+          <a:p>
+            <a:r>
+              <a:rPr lang="en-US" sz="4000" b="1" dirty="0" smtClean="0"/>
+              <a:t>EIC</a:t>
+            </a:r>
+            <a:endParaRPr lang="en-US" sz="4000" b="1" dirty="0"/>
+          </a:p>
+        </p:txBody>
+      </p:sp>
+    </p:spTree>
+    <p:extLst>
+      <p:ext uri="{BB962C8B-B14F-4D97-AF65-F5344CB8AC3E}">
+        <p14:creationId xmlns:p14="http://schemas.microsoft.com/office/powerpoint/2010/main" val="1202558815"/>
+      </p:ext>
+    </p:extLst>
+  </p:cSld>
+  <p:clrMapOvr>
+    <a:masterClrMapping/>
+  </p:clrMapOvr>
+</p:sld>
+</file>
+
+<file path=ppt/slides/slide9.xml><?xml version="1.0" encoding="utf-8"?>
+<p:sld xmlns:a="http://schemas.openxmlformats.org/drawingml/2006/main" xmlns:r="http://schemas.openxmlformats.org/officeDocument/2006/relationships" xmlns:p="http://schemas.openxmlformats.org/presentationml/2006/main">
+  <p:cSld>
+    <p:spTree>
+      <p:nvGrpSpPr>
+        <p:cNvPr id="1" name=""/>
+        <p:cNvGrpSpPr/>
+        <p:nvPr/>
+      </p:nvGrpSpPr>
+      <p:grpSpPr>
+        <a:xfrm>
+          <a:off x="0" y="0"/>
+          <a:ext cx="0" cy="0"/>
+          <a:chOff x="0" y="0"/>
+          <a:chExt cx="0" cy="0"/>
+        </a:xfrm>
+      </p:grpSpPr>
+      <p:pic>
+        <p:nvPicPr>
+          <p:cNvPr id="2" name="Picture 1"/>
+          <p:cNvPicPr>
+            <a:picLocks noChangeAspect="1"/>
+          </p:cNvPicPr>
+          <p:nvPr/>
+        </p:nvPicPr>
+        <p:blipFill rotWithShape="1">
+          <a:blip r:embed="rId2" cstate="print">
+            <a:extLst>
+              <a:ext uri="{28A0092B-C50C-407E-A947-70E740481C1C}">
+                <a14:useLocalDpi xmlns:a14="http://schemas.microsoft.com/office/drawing/2010/main" val="0"/>
+              </a:ext>
+            </a:extLst>
+          </a:blip>
+          <a:srcRect l="22381" t="17679" r="24286" b="14702"/>
+          <a:stretch/>
+        </p:blipFill>
+        <p:spPr>
+          <a:xfrm>
+            <a:off x="261257" y="584306"/>
+            <a:ext cx="7123611" cy="6021145"/>
+          </a:xfrm>
+          <a:prstGeom prst="rect">
+            <a:avLst/>
+          </a:prstGeom>
+        </p:spPr>
+      </p:pic>
+      <p:sp>
+        <p:nvSpPr>
+          <p:cNvPr id="3" name="TextBox 2"/>
+          <p:cNvSpPr txBox="1"/>
+          <p:nvPr/>
+        </p:nvSpPr>
+        <p:spPr>
+          <a:xfrm>
+            <a:off x="261257" y="261257"/>
+            <a:ext cx="6312434" cy="523220"/>
+          </a:xfrm>
+          <a:prstGeom prst="rect">
+            <a:avLst/>
+          </a:prstGeom>
+          <a:noFill/>
+        </p:spPr>
+        <p:txBody>
+          <a:bodyPr wrap="none" rtlCol="0">
+            <a:spAutoFit/>
+          </a:bodyPr>
+          <a:lstStyle/>
+          <a:p>
+            <a:r>
+              <a:rPr lang="en-US" sz="2800" b="1" dirty="0" smtClean="0"/>
+              <a:t>10</a:t>
+            </a:r>
+            <a:r>
+              <a:rPr lang="en-US" sz="2800" b="1" dirty="0" smtClean="0"/>
+              <a:t>00 </a:t>
+            </a:r>
+            <a:r>
+              <a:rPr lang="en-US" sz="2800" b="1" dirty="0" smtClean="0"/>
+              <a:t>buses: </a:t>
+            </a:r>
+            <a:r>
+              <a:rPr lang="en-US" sz="2800" b="1" dirty="0" smtClean="0">
+                <a:solidFill>
+                  <a:srgbClr val="FF0000"/>
+                </a:solidFill>
+              </a:rPr>
+              <a:t>400 </a:t>
+            </a:r>
+            <a:r>
+              <a:rPr lang="en-US" sz="2800" b="1" dirty="0" smtClean="0">
+                <a:solidFill>
+                  <a:srgbClr val="FF0000"/>
+                </a:solidFill>
+              </a:rPr>
+              <a:t>gen; </a:t>
+            </a:r>
+            <a:r>
+              <a:rPr lang="en-US" sz="2800" b="1" dirty="0" smtClean="0">
+                <a:solidFill>
+                  <a:srgbClr val="FF0000"/>
+                </a:solidFill>
+              </a:rPr>
+              <a:t>400 </a:t>
+            </a:r>
+            <a:r>
+              <a:rPr lang="en-US" sz="2800" b="1" dirty="0" smtClean="0">
+                <a:solidFill>
+                  <a:srgbClr val="FF0000"/>
+                </a:solidFill>
+              </a:rPr>
+              <a:t>load; </a:t>
+            </a:r>
+            <a:r>
+              <a:rPr lang="en-US" sz="2800" b="1" dirty="0" smtClean="0">
+                <a:solidFill>
+                  <a:srgbClr val="FF0000"/>
+                </a:solidFill>
+              </a:rPr>
+              <a:t>200 </a:t>
+            </a:r>
+            <a:r>
+              <a:rPr lang="en-US" sz="2800" b="1" dirty="0" smtClean="0">
+                <a:solidFill>
+                  <a:srgbClr val="FF0000"/>
+                </a:solidFill>
+              </a:rPr>
+              <a:t>trans </a:t>
+            </a:r>
+            <a:endParaRPr lang="en-US" sz="2800" b="1" dirty="0">
+              <a:solidFill>
+                <a:srgbClr val="FF0000"/>
+              </a:solidFill>
+            </a:endParaRPr>
+          </a:p>
+        </p:txBody>
+      </p:sp>
+      <p:pic>
+        <p:nvPicPr>
+          <p:cNvPr id="4" name="Picture 3"/>
+          <p:cNvPicPr>
+            <a:picLocks noChangeAspect="1"/>
+          </p:cNvPicPr>
+          <p:nvPr/>
+        </p:nvPicPr>
+        <p:blipFill rotWithShape="1">
+          <a:blip r:embed="rId3" cstate="print">
+            <a:extLst>
+              <a:ext uri="{28A0092B-C50C-407E-A947-70E740481C1C}">
+                <a14:useLocalDpi xmlns:a14="http://schemas.microsoft.com/office/drawing/2010/main" val="0"/>
+              </a:ext>
+            </a:extLst>
+          </a:blip>
+          <a:srcRect l="23333" t="10299" r="21905" b="10893"/>
+          <a:stretch/>
+        </p:blipFill>
+        <p:spPr>
+          <a:xfrm>
+            <a:off x="7898674" y="400594"/>
+            <a:ext cx="3239589" cy="3108127"/>
+          </a:xfrm>
+          <a:prstGeom prst="rect">
+            <a:avLst/>
+          </a:prstGeom>
+          <a:ln>
+            <a:solidFill>
+              <a:srgbClr val="FF0000"/>
+            </a:solidFill>
+          </a:ln>
+        </p:spPr>
+      </p:pic>
+      <p:sp>
+        <p:nvSpPr>
+          <p:cNvPr id="5" name="TextBox 4"/>
+          <p:cNvSpPr txBox="1"/>
+          <p:nvPr/>
+        </p:nvSpPr>
+        <p:spPr>
+          <a:xfrm>
+            <a:off x="6233533" y="3508721"/>
+            <a:ext cx="340158" cy="400110"/>
+          </a:xfrm>
+          <a:prstGeom prst="rect">
+            <a:avLst/>
+          </a:prstGeom>
+          <a:noFill/>
+        </p:spPr>
+        <p:txBody>
+          <a:bodyPr wrap="none" rtlCol="0">
+            <a:spAutoFit/>
+          </a:bodyPr>
+          <a:lstStyle/>
+          <a:p>
+            <a:r>
+              <a:rPr lang="en-US" sz="2000" b="1" dirty="0" smtClean="0"/>
+              <a:t>A</a:t>
+            </a:r>
+            <a:endParaRPr lang="en-US" sz="2000" b="1" dirty="0"/>
+          </a:p>
+        </p:txBody>
+      </p:sp>
+      <p:sp>
+        <p:nvSpPr>
+          <p:cNvPr id="6" name="TextBox 5"/>
+          <p:cNvSpPr txBox="1"/>
+          <p:nvPr/>
+        </p:nvSpPr>
+        <p:spPr>
+          <a:xfrm>
+            <a:off x="10639907" y="471447"/>
+            <a:ext cx="402674" cy="523220"/>
+          </a:xfrm>
+          <a:prstGeom prst="rect">
+            <a:avLst/>
+          </a:prstGeom>
+          <a:noFill/>
+        </p:spPr>
+        <p:txBody>
+          <a:bodyPr wrap="none" rtlCol="0">
+            <a:spAutoFit/>
+          </a:bodyPr>
+          <a:lstStyle/>
+          <a:p>
+            <a:r>
+              <a:rPr lang="en-US" sz="2800" b="1" dirty="0" smtClean="0"/>
+              <a:t>A</a:t>
+            </a:r>
+            <a:endParaRPr lang="en-US" sz="2800" b="1" dirty="0"/>
+          </a:p>
+        </p:txBody>
+      </p:sp>
+      <p:sp>
+        <p:nvSpPr>
+          <p:cNvPr id="7" name="Rectangle 6"/>
+          <p:cNvSpPr/>
+          <p:nvPr/>
+        </p:nvSpPr>
+        <p:spPr>
+          <a:xfrm>
+            <a:off x="4876800" y="2830286"/>
+            <a:ext cx="1811383" cy="1750423"/>
+          </a:xfrm>
+          <a:prstGeom prst="rect">
+            <a:avLst/>
+          </a:prstGeom>
+          <a:noFill/>
+          <a:ln>
+            <a:solidFill>
+              <a:srgbClr val="FF0000"/>
+            </a:solidFill>
+          </a:ln>
+        </p:spPr>
+        <p:style>
+          <a:lnRef idx="2">
+            <a:schemeClr val="accent1">
+              <a:shade val="50000"/>
+            </a:schemeClr>
+          </a:lnRef>
+          <a:fillRef idx="1">
+            <a:schemeClr val="accent1"/>
+          </a:fillRef>
+          <a:effectRef idx="0">
+            <a:schemeClr val="accent1"/>
+          </a:effectRef>
+          <a:fontRef idx="minor">
+            <a:schemeClr val="lt1"/>
+          </a:fontRef>
+        </p:style>
+        <p:txBody>
+          <a:bodyPr rtlCol="0" anchor="ctr"/>
+          <a:lstStyle/>
+          <a:p>
+            <a:pPr algn="ctr"/>
+            <a:endParaRPr lang="en-US"/>
+          </a:p>
+        </p:txBody>
+      </p:sp>
+      <p:sp>
+        <p:nvSpPr>
+          <p:cNvPr id="8" name="TextBox 7"/>
+          <p:cNvSpPr txBox="1"/>
+          <p:nvPr/>
+        </p:nvSpPr>
+        <p:spPr>
+          <a:xfrm>
+            <a:off x="8741601" y="3574334"/>
+            <a:ext cx="1668085" cy="369332"/>
+          </a:xfrm>
+          <a:prstGeom prst="rect">
+            <a:avLst/>
+          </a:prstGeom>
+          <a:noFill/>
+        </p:spPr>
+        <p:txBody>
+          <a:bodyPr wrap="none" rtlCol="0">
+            <a:spAutoFit/>
+          </a:bodyPr>
+          <a:lstStyle/>
+          <a:p>
+            <a:r>
+              <a:rPr lang="en-US" dirty="0" smtClean="0"/>
+              <a:t>DC, RTP, Atlanta</a:t>
+            </a:r>
+            <a:endParaRPr lang="en-US" dirty="0"/>
+          </a:p>
+        </p:txBody>
+      </p:sp>
+    </p:spTree>
+    <p:extLst>
+      <p:ext uri="{BB962C8B-B14F-4D97-AF65-F5344CB8AC3E}">
+        <p14:creationId xmlns:p14="http://schemas.microsoft.com/office/powerpoint/2010/main" val="3449735942"/>
       </p:ext>
     </p:extLst>
   </p:cSld>
